--- a/wireframe-challenge-02.pptx
+++ b/wireframe-challenge-02.pptx
@@ -105,6 +105,51 @@
     </a:lvl9pPr>
   </p:defaultTextStyle>
 </p:presentation>
+</file>
+
+<file path=ppt/authors.xml><?xml version="1.0" encoding="utf-8"?>
+<p188:authorLst xmlns:a="http://schemas.openxmlformats.org/drawingml/2006/main" xmlns:r="http://schemas.openxmlformats.org/officeDocument/2006/relationships" xmlns:p188="http://schemas.microsoft.com/office/powerpoint/2018/8/main">
+  <p188:author id="{76000A8D-76F5-F19B-DBBD-31A003CFCA55}" name="Webert, Lauren K." initials="" userId="S::Lauren.Webert@boystown.org::1921708e-70ed-4d1a-984b-782107b6b87b" providerId="AD"/>
+</p188:authorLst>
+</file>
+
+<file path=ppt/comments/modernComment_101_702AD21E.xml><?xml version="1.0" encoding="utf-8"?>
+<p188:cmLst xmlns:a="http://schemas.openxmlformats.org/drawingml/2006/main" xmlns:r="http://schemas.openxmlformats.org/officeDocument/2006/relationships" xmlns:p188="http://schemas.microsoft.com/office/powerpoint/2018/8/main">
+  <p188:cm id="{56AC8F9F-6195-C94B-A9A6-7081168D2D45}" authorId="{76000A8D-76F5-F19B-DBBD-31A003CFCA55}" created="2024-11-04T05:21:15.399">
+    <ac:deMkLst xmlns:ac="http://schemas.microsoft.com/office/drawing/2013/main/command">
+      <pc:docMk xmlns:pc="http://schemas.microsoft.com/office/powerpoint/2013/main/command"/>
+      <pc:sldMk xmlns:pc="http://schemas.microsoft.com/office/powerpoint/2013/main/command" cId="1881854494" sldId="257"/>
+      <ac:spMk id="38" creationId="{E5350829-3396-9699-0362-5E9DF856443F}"/>
+    </ac:deMkLst>
+    <p188:txBody>
+      <a:bodyPr/>
+      <a:lstStyle/>
+      <a:p>
+        <a:r>
+          <a:rPr lang="en-US"/>
+          <a:t>Nav element</a:t>
+        </a:r>
+      </a:p>
+    </p188:txBody>
+  </p188:cm>
+  <p188:cm id="{E82DA072-19E3-3748-8A4B-82B91488220E}" authorId="{76000A8D-76F5-F19B-DBBD-31A003CFCA55}" created="2024-11-04T05:21:43.619">
+    <ac:deMkLst xmlns:ac="http://schemas.microsoft.com/office/drawing/2013/main/command">
+      <pc:docMk xmlns:pc="http://schemas.microsoft.com/office/powerpoint/2013/main/command"/>
+      <pc:sldMk xmlns:pc="http://schemas.microsoft.com/office/powerpoint/2013/main/command" cId="1881854494" sldId="257"/>
+      <ac:spMk id="6" creationId="{A7B5FF02-85A2-3370-EAFF-5D05B2A34146}"/>
+    </ac:deMkLst>
+    <p188:txBody>
+      <a:bodyPr/>
+      <a:lstStyle/>
+      <a:p>
+        <a:r>
+          <a:rPr lang="en-US"/>
+          <a:t>Section</a:t>
+        </a:r>
+      </a:p>
+    </p188:txBody>
+  </p188:cm>
+</p188:cmLst>
 </file>
 
 <file path=ppt/slideLayouts/slideLayout1.xml><?xml version="1.0" encoding="utf-8"?>
@@ -3427,8 +3472,8 @@
         </p:nvSpPr>
         <p:spPr>
           <a:xfrm>
-            <a:off x="0" y="950026"/>
-            <a:ext cx="12192000" cy="565574"/>
+            <a:off x="-23335" y="950026"/>
+            <a:ext cx="12215335" cy="565574"/>
           </a:xfrm>
           <a:prstGeom prst="rect">
             <a:avLst/>
@@ -3858,7 +3903,7 @@
             <a:pPr algn="ctr"/>
             <a:r>
               <a:rPr lang="en-US" sz="2800" u="sng" dirty="0"/>
-              <a:t>Nav</a:t>
+              <a:t>&lt;a&gt;</a:t>
             </a:r>
           </a:p>
         </p:txBody>
@@ -3912,8 +3957,8 @@
         </p:nvSpPr>
         <p:spPr>
           <a:xfrm>
-            <a:off x="5834207" y="129173"/>
-            <a:ext cx="6305025" cy="658334"/>
+            <a:off x="5499653" y="129173"/>
+            <a:ext cx="6639580" cy="658334"/>
           </a:xfrm>
           <a:prstGeom prst="rect">
             <a:avLst/>
@@ -4013,7 +4058,7 @@
             <a:pPr algn="ctr"/>
             <a:r>
               <a:rPr lang="en-US" sz="2800" u="sng" dirty="0"/>
-              <a:t>Nav</a:t>
+              <a:t>&lt;a&gt;</a:t>
             </a:r>
           </a:p>
         </p:txBody>
@@ -4078,7 +4123,7 @@
             <a:pPr algn="ctr"/>
             <a:r>
               <a:rPr lang="en-US" sz="2800" u="sng" dirty="0"/>
-              <a:t>Nav</a:t>
+              <a:t>&lt;a&gt;</a:t>
             </a:r>
           </a:p>
         </p:txBody>
@@ -4143,7 +4188,7 @@
             <a:pPr algn="ctr"/>
             <a:r>
               <a:rPr lang="en-US" sz="2800" u="sng" dirty="0"/>
-              <a:t>Nav</a:t>
+              <a:t>&lt;a&gt;</a:t>
             </a:r>
           </a:p>
         </p:txBody>
@@ -5370,6 +5415,11 @@
   <p:clrMapOvr>
     <a:masterClrMapping/>
   </p:clrMapOvr>
+  <p:extLst>
+    <p:ext uri="{6950BFC3-D8DA-4A85-94F7-54DA5524770B}">
+      <p188:commentRel xmlns:p188="http://schemas.microsoft.com/office/powerpoint/2018/8/main" r:id="rId2"/>
+    </p:ext>
+  </p:extLst>
 </p:sld>
 </file>
 
